--- a/AA_201819_Project/AA_201819_Project/Gráficos_Variaveis_Controle.pptx
+++ b/AA_201819_Project/AA_201819_Project/Gráficos_Variaveis_Controle.pptx
@@ -8,6 +8,8 @@
     <p:sldId id="256" r:id="rId2"/>
     <p:sldId id="258" r:id="rId3"/>
     <p:sldId id="257" r:id="rId4"/>
+    <p:sldId id="259" r:id="rId5"/>
+    <p:sldId id="260" r:id="rId6"/>
   </p:sldIdLst>
   <p:sldSz cx="12192000" cy="6858000"/>
   <p:notesSz cx="6858000" cy="9144000"/>
@@ -106,6 +108,11 @@
       </a:defRPr>
     </a:lvl9pPr>
   </p:defaultTextStyle>
+  <p:extLst>
+    <p:ext uri="{EFAFB233-063F-42B5-8137-9DF3F51BA10A}">
+      <p15:sldGuideLst xmlns:p15="http://schemas.microsoft.com/office/powerpoint/2012/main"/>
+    </p:ext>
+  </p:extLst>
 </p:presentation>
 </file>
 
@@ -3046,15 +3053,15 @@
         </p:nvSpPr>
         <p:spPr>
           <a:xfrm>
-            <a:off x="0" y="715392"/>
-            <a:ext cx="6096000" cy="4385816"/>
+            <a:off x="0" y="105792"/>
+            <a:ext cx="4470400" cy="5878532"/>
           </a:xfrm>
           <a:prstGeom prst="rect">
             <a:avLst/>
           </a:prstGeom>
         </p:spPr>
         <p:txBody>
-          <a:bodyPr>
+          <a:bodyPr wrap="square">
             <a:spAutoFit/>
           </a:bodyPr>
           <a:lstStyle/>
@@ -3064,7 +3071,7 @@
               <a:buChar char="•"/>
             </a:pPr>
             <a:r>
-              <a:rPr lang="en-US" sz="900" b="0" i="0" dirty="0" smtClean="0">
+              <a:rPr lang="en-US" sz="800" b="0" i="0" dirty="0" smtClean="0">
                 <a:solidFill>
                   <a:srgbClr val="000000"/>
                 </a:solidFill>
@@ -3080,7 +3087,7 @@
               <a:buChar char="•"/>
             </a:pPr>
             <a:r>
-              <a:rPr lang="en-US" sz="900" b="0" i="0" dirty="0" smtClean="0">
+              <a:rPr lang="en-US" sz="800" b="0" i="0" dirty="0" smtClean="0">
                 <a:solidFill>
                   <a:srgbClr val="000000"/>
                 </a:solidFill>
@@ -3096,7 +3103,7 @@
               <a:buChar char="•"/>
             </a:pPr>
             <a:r>
-              <a:rPr lang="en-US" sz="900" b="0" i="0" dirty="0" smtClean="0">
+              <a:rPr lang="en-US" sz="800" b="0" i="0" dirty="0" smtClean="0">
                 <a:solidFill>
                   <a:srgbClr val="000000"/>
                 </a:solidFill>
@@ -3112,7 +3119,7 @@
               <a:buChar char="•"/>
             </a:pPr>
             <a:r>
-              <a:rPr lang="en-US" sz="900" b="0" i="0" dirty="0" smtClean="0">
+              <a:rPr lang="en-US" sz="800" b="0" i="0" dirty="0" smtClean="0">
                 <a:solidFill>
                   <a:srgbClr val="000000"/>
                 </a:solidFill>
@@ -3128,7 +3135,7 @@
               <a:buChar char="•"/>
             </a:pPr>
             <a:r>
-              <a:rPr lang="en-US" sz="900" b="0" i="0" dirty="0" smtClean="0">
+              <a:rPr lang="en-US" sz="800" b="0" i="0" dirty="0" smtClean="0">
                 <a:solidFill>
                   <a:srgbClr val="000000"/>
                 </a:solidFill>
@@ -3144,7 +3151,7 @@
               <a:buChar char="•"/>
             </a:pPr>
             <a:r>
-              <a:rPr lang="en-US" sz="900" b="0" i="0" dirty="0" smtClean="0">
+              <a:rPr lang="en-US" sz="800" b="0" i="0" dirty="0" smtClean="0">
                 <a:solidFill>
                   <a:srgbClr val="000000"/>
                 </a:solidFill>
@@ -3160,7 +3167,7 @@
               <a:buChar char="•"/>
             </a:pPr>
             <a:r>
-              <a:rPr lang="en-US" sz="900" b="0" i="0" dirty="0" smtClean="0">
+              <a:rPr lang="en-US" sz="800" b="0" i="0" dirty="0" smtClean="0">
                 <a:solidFill>
                   <a:srgbClr val="000000"/>
                 </a:solidFill>
@@ -3176,7 +3183,7 @@
               <a:buChar char="•"/>
             </a:pPr>
             <a:r>
-              <a:rPr lang="en-US" sz="900" b="0" i="0" dirty="0" smtClean="0">
+              <a:rPr lang="en-US" sz="800" b="0" i="0" dirty="0" smtClean="0">
                 <a:solidFill>
                   <a:srgbClr val="000000"/>
                 </a:solidFill>
@@ -3192,7 +3199,7 @@
               <a:buChar char="•"/>
             </a:pPr>
             <a:r>
-              <a:rPr lang="en-US" sz="900" b="0" i="0" dirty="0" smtClean="0">
+              <a:rPr lang="en-US" sz="800" b="0" i="0" dirty="0" smtClean="0">
                 <a:solidFill>
                   <a:srgbClr val="000000"/>
                 </a:solidFill>
@@ -3208,7 +3215,7 @@
               <a:buChar char="•"/>
             </a:pPr>
             <a:r>
-              <a:rPr lang="en-US" sz="900" b="0" i="0" dirty="0" smtClean="0">
+              <a:rPr lang="en-US" sz="800" b="0" i="0" dirty="0" smtClean="0">
                 <a:solidFill>
                   <a:srgbClr val="000000"/>
                 </a:solidFill>
@@ -3224,7 +3231,7 @@
               <a:buChar char="•"/>
             </a:pPr>
             <a:r>
-              <a:rPr lang="en-US" sz="900" b="0" i="0" dirty="0" smtClean="0">
+              <a:rPr lang="en-US" sz="800" b="0" i="0" dirty="0" smtClean="0">
                 <a:solidFill>
                   <a:srgbClr val="000000"/>
                 </a:solidFill>
@@ -3240,7 +3247,7 @@
               <a:buChar char="•"/>
             </a:pPr>
             <a:r>
-              <a:rPr lang="en-US" sz="900" b="0" i="0" dirty="0" smtClean="0">
+              <a:rPr lang="en-US" sz="800" b="0" i="0" dirty="0" smtClean="0">
                 <a:solidFill>
                   <a:srgbClr val="000000"/>
                 </a:solidFill>
@@ -3256,7 +3263,7 @@
               <a:buChar char="•"/>
             </a:pPr>
             <a:r>
-              <a:rPr lang="en-US" sz="900" b="0" i="0" dirty="0" smtClean="0">
+              <a:rPr lang="en-US" sz="800" b="0" i="0" dirty="0" smtClean="0">
                 <a:solidFill>
                   <a:srgbClr val="000000"/>
                 </a:solidFill>
@@ -3272,7 +3279,7 @@
               <a:buChar char="•"/>
             </a:pPr>
             <a:r>
-              <a:rPr lang="en-US" sz="900" b="0" i="0" dirty="0" smtClean="0">
+              <a:rPr lang="en-US" sz="800" b="0" i="0" dirty="0" smtClean="0">
                 <a:solidFill>
                   <a:srgbClr val="000000"/>
                 </a:solidFill>
@@ -3288,7 +3295,7 @@
               <a:buChar char="•"/>
             </a:pPr>
             <a:r>
-              <a:rPr lang="en-US" sz="900" b="0" i="0" dirty="0" smtClean="0">
+              <a:rPr lang="en-US" sz="800" b="0" i="0" dirty="0" smtClean="0">
                 <a:solidFill>
                   <a:srgbClr val="000000"/>
                 </a:solidFill>
@@ -3304,7 +3311,7 @@
               <a:buChar char="•"/>
             </a:pPr>
             <a:r>
-              <a:rPr lang="en-US" sz="900" b="0" i="0" dirty="0" smtClean="0">
+              <a:rPr lang="en-US" sz="800" b="0" i="0" dirty="0" smtClean="0">
                 <a:solidFill>
                   <a:srgbClr val="000000"/>
                 </a:solidFill>
@@ -3320,7 +3327,7 @@
               <a:buChar char="•"/>
             </a:pPr>
             <a:r>
-              <a:rPr lang="en-US" sz="900" b="0" i="0" dirty="0" smtClean="0">
+              <a:rPr lang="en-US" sz="800" b="0" i="0" dirty="0" smtClean="0">
                 <a:solidFill>
                   <a:srgbClr val="000000"/>
                 </a:solidFill>
@@ -3336,7 +3343,7 @@
               <a:buChar char="•"/>
             </a:pPr>
             <a:r>
-              <a:rPr lang="en-US" sz="900" b="0" i="0" dirty="0" smtClean="0">
+              <a:rPr lang="en-US" sz="800" b="0" i="0" dirty="0" smtClean="0">
                 <a:solidFill>
                   <a:srgbClr val="000000"/>
                 </a:solidFill>
@@ -3352,7 +3359,7 @@
               <a:buChar char="•"/>
             </a:pPr>
             <a:r>
-              <a:rPr lang="en-US" sz="900" b="0" i="0" dirty="0" smtClean="0">
+              <a:rPr lang="en-US" sz="800" b="0" i="0" dirty="0" smtClean="0">
                 <a:solidFill>
                   <a:srgbClr val="000000"/>
                 </a:solidFill>
@@ -3368,57 +3375,6 @@
               <a:buChar char="•"/>
             </a:pPr>
             <a:r>
-              <a:rPr lang="en-US" sz="900" b="0" i="0" dirty="0" smtClean="0">
-                <a:solidFill>
-                  <a:srgbClr val="000000"/>
-                </a:solidFill>
-                <a:effectLst/>
-                <a:latin typeface="Helvetica Neue"/>
-              </a:rPr>
-              <a:t>Q20 - "If you have revealed a mental health issue to a client or business contact, do you believe this has impacted you negatively?"</a:t>
-            </a:r>
-          </a:p>
-          <a:p>
-            <a:pPr>
-              <a:buFont typeface="Arial" panose="020B0604020202020204" pitchFamily="34" charset="0"/>
-              <a:buChar char="•"/>
-            </a:pPr>
-            <a:endParaRPr lang="en-US" sz="900" b="0" i="0" dirty="0">
-              <a:solidFill>
-                <a:srgbClr val="000000"/>
-              </a:solidFill>
-              <a:effectLst/>
-              <a:latin typeface="Helvetica Neue"/>
-            </a:endParaRPr>
-          </a:p>
-        </p:txBody>
-      </p:sp>
-      <p:sp>
-        <p:nvSpPr>
-          <p:cNvPr id="5" name="Rectangle 4"/>
-          <p:cNvSpPr/>
-          <p:nvPr/>
-        </p:nvSpPr>
-        <p:spPr>
-          <a:xfrm>
-            <a:off x="6096000" y="595997"/>
-            <a:ext cx="6096000" cy="5878532"/>
-          </a:xfrm>
-          <a:prstGeom prst="rect">
-            <a:avLst/>
-          </a:prstGeom>
-        </p:spPr>
-        <p:txBody>
-          <a:bodyPr>
-            <a:spAutoFit/>
-          </a:bodyPr>
-          <a:lstStyle/>
-          <a:p>
-            <a:pPr>
-              <a:buFont typeface="Arial" panose="020B0604020202020204" pitchFamily="34" charset="0"/>
-              <a:buChar char="•"/>
-            </a:pPr>
-            <a:r>
               <a:rPr lang="en-US" sz="800" b="0" i="0" dirty="0" smtClean="0">
                 <a:solidFill>
                   <a:srgbClr val="000000"/>
@@ -3426,6 +3382,31 @@
                 <a:effectLst/>
                 <a:latin typeface="Helvetica Neue"/>
               </a:rPr>
+              <a:t>Q20 - "If you have revealed a mental health issue to a client or business contact, do you believe this has impacted you negatively</a:t>
+            </a:r>
+            <a:r>
+              <a:rPr lang="en-US" sz="800" b="0" i="0" dirty="0" smtClean="0">
+                <a:solidFill>
+                  <a:srgbClr val="000000"/>
+                </a:solidFill>
+                <a:effectLst/>
+                <a:latin typeface="Helvetica Neue"/>
+              </a:rPr>
+              <a:t>?“</a:t>
+            </a:r>
+          </a:p>
+          <a:p>
+            <a:pPr>
+              <a:buFont typeface="Arial" panose="020B0604020202020204" pitchFamily="34" charset="0"/>
+              <a:buChar char="•"/>
+            </a:pPr>
+            <a:r>
+              <a:rPr lang="en-US" sz="800" dirty="0">
+                <a:solidFill>
+                  <a:srgbClr val="000000"/>
+                </a:solidFill>
+                <a:latin typeface="Helvetica Neue"/>
+              </a:rPr>
               <a:t>Q21 - "If you have been diagnosed or treated for a mental health disorder, do you ever reveal this to coworkers or employees?"</a:t>
             </a:r>
           </a:p>
@@ -3435,11 +3416,10 @@
               <a:buChar char="•"/>
             </a:pPr>
             <a:r>
-              <a:rPr lang="en-US" sz="800" b="0" i="0" dirty="0" smtClean="0">
-                <a:solidFill>
-                  <a:srgbClr val="000000"/>
-                </a:solidFill>
-                <a:effectLst/>
+              <a:rPr lang="en-US" sz="800" dirty="0">
+                <a:solidFill>
+                  <a:srgbClr val="000000"/>
+                </a:solidFill>
                 <a:latin typeface="Helvetica Neue"/>
               </a:rPr>
               <a:t>Q22 - "If you have revealed a mental health issue to a coworker or employee, do you believe this has impacted you negatively?"</a:t>
@@ -3451,11 +3431,10 @@
               <a:buChar char="•"/>
             </a:pPr>
             <a:r>
-              <a:rPr lang="en-US" sz="800" b="0" i="0" dirty="0" smtClean="0">
-                <a:solidFill>
-                  <a:srgbClr val="000000"/>
-                </a:solidFill>
-                <a:effectLst/>
+              <a:rPr lang="en-US" sz="800" dirty="0">
+                <a:solidFill>
+                  <a:srgbClr val="000000"/>
+                </a:solidFill>
                 <a:latin typeface="Helvetica Neue"/>
               </a:rPr>
               <a:t>Q23 - "Do you believe your productivity is ever affected by a mental health issue?"</a:t>
@@ -3467,31 +3446,28 @@
               <a:buChar char="•"/>
             </a:pPr>
             <a:r>
-              <a:rPr lang="en-US" sz="800" b="0" i="0" dirty="0" smtClean="0">
-                <a:solidFill>
-                  <a:srgbClr val="000000"/>
-                </a:solidFill>
-                <a:effectLst/>
+              <a:rPr lang="en-US" sz="800" dirty="0">
+                <a:solidFill>
+                  <a:srgbClr val="000000"/>
+                </a:solidFill>
                 <a:latin typeface="Helvetica Neue"/>
               </a:rPr>
               <a:t>Q24 - "If yes, what percentage of your work time (time performing primary or secondary job functions) is affected by a mental health </a:t>
             </a:r>
             <a:r>
-              <a:rPr lang="en-US" sz="800" b="0" i="0" dirty="0" err="1" smtClean="0">
-                <a:solidFill>
-                  <a:srgbClr val="000000"/>
-                </a:solidFill>
-                <a:effectLst/>
+              <a:rPr lang="en-US" sz="800" dirty="0" err="1">
+                <a:solidFill>
+                  <a:srgbClr val="000000"/>
+                </a:solidFill>
                 <a:latin typeface="Helvetica Neue"/>
               </a:rPr>
               <a:t>issue?","Do</a:t>
             </a:r>
             <a:r>
-              <a:rPr lang="en-US" sz="800" b="0" i="0" dirty="0" smtClean="0">
-                <a:solidFill>
-                  <a:srgbClr val="000000"/>
-                </a:solidFill>
-                <a:effectLst/>
+              <a:rPr lang="en-US" sz="800" dirty="0">
+                <a:solidFill>
+                  <a:srgbClr val="000000"/>
+                </a:solidFill>
                 <a:latin typeface="Helvetica Neue"/>
               </a:rPr>
               <a:t> you have previous employers?"</a:t>
@@ -3503,11 +3479,10 @@
               <a:buChar char="•"/>
             </a:pPr>
             <a:r>
-              <a:rPr lang="en-US" sz="800" b="0" i="0" dirty="0" smtClean="0">
-                <a:solidFill>
-                  <a:srgbClr val="000000"/>
-                </a:solidFill>
-                <a:effectLst/>
+              <a:rPr lang="en-US" sz="800" dirty="0">
+                <a:solidFill>
+                  <a:srgbClr val="000000"/>
+                </a:solidFill>
                 <a:latin typeface="Helvetica Neue"/>
               </a:rPr>
               <a:t>Q25 - "Have your previous employers provided mental health benefits?"</a:t>
@@ -3519,11 +3494,10 @@
               <a:buChar char="•"/>
             </a:pPr>
             <a:r>
-              <a:rPr lang="en-US" sz="800" b="0" i="0" dirty="0" smtClean="0">
-                <a:solidFill>
-                  <a:srgbClr val="000000"/>
-                </a:solidFill>
-                <a:effectLst/>
+              <a:rPr lang="en-US" sz="800" dirty="0">
+                <a:solidFill>
+                  <a:srgbClr val="000000"/>
+                </a:solidFill>
                 <a:latin typeface="Helvetica Neue"/>
               </a:rPr>
               <a:t>Q26 - "Were you aware of the options for mental health care provided by your previous employers?"</a:t>
@@ -3535,11 +3509,10 @@
               <a:buChar char="•"/>
             </a:pPr>
             <a:r>
-              <a:rPr lang="en-US" sz="800" b="0" i="0" dirty="0" smtClean="0">
-                <a:solidFill>
-                  <a:srgbClr val="000000"/>
-                </a:solidFill>
-                <a:effectLst/>
+              <a:rPr lang="en-US" sz="800" dirty="0">
+                <a:solidFill>
+                  <a:srgbClr val="000000"/>
+                </a:solidFill>
                 <a:latin typeface="Helvetica Neue"/>
               </a:rPr>
               <a:t>Q27 - "Did your previous employers ever formally discuss mental health (as part of a wellness campaign or other offi8cial communication)?"</a:t>
@@ -3550,320 +3523,6 @@
               <a:buFont typeface="Arial" panose="020B0604020202020204" pitchFamily="34" charset="0"/>
               <a:buChar char="•"/>
             </a:pPr>
-            <a:r>
-              <a:rPr lang="en-US" sz="800" b="0" i="0" dirty="0" smtClean="0">
-                <a:solidFill>
-                  <a:srgbClr val="000000"/>
-                </a:solidFill>
-                <a:effectLst/>
-                <a:latin typeface="Helvetica Neue"/>
-              </a:rPr>
-              <a:t>Q29 - "Did your previous employers provide resources to learn more about mental health issues and how to seek help?"</a:t>
-            </a:r>
-          </a:p>
-          <a:p>
-            <a:pPr>
-              <a:buFont typeface="Arial" panose="020B0604020202020204" pitchFamily="34" charset="0"/>
-              <a:buChar char="•"/>
-            </a:pPr>
-            <a:r>
-              <a:rPr lang="en-US" sz="800" b="0" i="0" dirty="0" smtClean="0">
-                <a:solidFill>
-                  <a:srgbClr val="000000"/>
-                </a:solidFill>
-                <a:effectLst/>
-                <a:latin typeface="Helvetica Neue"/>
-              </a:rPr>
-              <a:t>Q30 - "Was your anonymity protected if you chose to take advantage of mental health or substance abuse treatment resources with previous employers?"</a:t>
-            </a:r>
-          </a:p>
-          <a:p>
-            <a:pPr>
-              <a:buFont typeface="Arial" panose="020B0604020202020204" pitchFamily="34" charset="0"/>
-              <a:buChar char="•"/>
-            </a:pPr>
-            <a:r>
-              <a:rPr lang="en-US" sz="800" b="0" i="0" dirty="0" smtClean="0">
-                <a:solidFill>
-                  <a:srgbClr val="000000"/>
-                </a:solidFill>
-                <a:effectLst/>
-                <a:latin typeface="Helvetica Neue"/>
-              </a:rPr>
-              <a:t>Q31 - "Do you think that discussing a mental health disorder with previous employers would have negative consequences?"</a:t>
-            </a:r>
-          </a:p>
-          <a:p>
-            <a:pPr>
-              <a:buFont typeface="Arial" panose="020B0604020202020204" pitchFamily="34" charset="0"/>
-              <a:buChar char="•"/>
-            </a:pPr>
-            <a:r>
-              <a:rPr lang="en-US" sz="800" b="0" i="0" dirty="0" smtClean="0">
-                <a:solidFill>
-                  <a:srgbClr val="000000"/>
-                </a:solidFill>
-                <a:effectLst/>
-                <a:latin typeface="Helvetica Neue"/>
-              </a:rPr>
-              <a:t>Q32 - "Do you think that discussing a physical health issue with previous employers would have negative consequences?"</a:t>
-            </a:r>
-          </a:p>
-          <a:p>
-            <a:pPr>
-              <a:buFont typeface="Arial" panose="020B0604020202020204" pitchFamily="34" charset="0"/>
-              <a:buChar char="•"/>
-            </a:pPr>
-            <a:r>
-              <a:rPr lang="en-US" sz="800" b="0" i="0" dirty="0" smtClean="0">
-                <a:solidFill>
-                  <a:srgbClr val="000000"/>
-                </a:solidFill>
-                <a:effectLst/>
-                <a:latin typeface="Helvetica Neue"/>
-              </a:rPr>
-              <a:t>Q33 - "Would you have been willing to discuss a mental health issue with your previous co-workers?"</a:t>
-            </a:r>
-          </a:p>
-          <a:p>
-            <a:pPr>
-              <a:buFont typeface="Arial" panose="020B0604020202020204" pitchFamily="34" charset="0"/>
-              <a:buChar char="•"/>
-            </a:pPr>
-            <a:r>
-              <a:rPr lang="en-US" sz="800" b="0" i="0" dirty="0" smtClean="0">
-                <a:solidFill>
-                  <a:srgbClr val="000000"/>
-                </a:solidFill>
-                <a:effectLst/>
-                <a:latin typeface="Helvetica Neue"/>
-              </a:rPr>
-              <a:t>Q34 - "Would you have been willing to discuss a mental health issue with your direct supervisor(s)?"</a:t>
-            </a:r>
-          </a:p>
-          <a:p>
-            <a:pPr>
-              <a:buFont typeface="Arial" panose="020B0604020202020204" pitchFamily="34" charset="0"/>
-              <a:buChar char="•"/>
-            </a:pPr>
-            <a:r>
-              <a:rPr lang="en-US" sz="800" b="0" i="0" dirty="0" smtClean="0">
-                <a:solidFill>
-                  <a:srgbClr val="000000"/>
-                </a:solidFill>
-                <a:effectLst/>
-                <a:latin typeface="Helvetica Neue"/>
-              </a:rPr>
-              <a:t>Q35 - "Did you feel that your previous employers took mental health as seriously as physical health?"</a:t>
-            </a:r>
-          </a:p>
-          <a:p>
-            <a:pPr>
-              <a:buFont typeface="Arial" panose="020B0604020202020204" pitchFamily="34" charset="0"/>
-              <a:buChar char="•"/>
-            </a:pPr>
-            <a:r>
-              <a:rPr lang="en-US" sz="800" b="0" i="0" dirty="0" smtClean="0">
-                <a:solidFill>
-                  <a:srgbClr val="000000"/>
-                </a:solidFill>
-                <a:effectLst/>
-                <a:latin typeface="Helvetica Neue"/>
-              </a:rPr>
-              <a:t>Q36 - "Did you hear of or observe negative consequences for co-workers with mental health issues in your previous workplaces?"</a:t>
-            </a:r>
-          </a:p>
-          <a:p>
-            <a:pPr>
-              <a:buFont typeface="Arial" panose="020B0604020202020204" pitchFamily="34" charset="0"/>
-              <a:buChar char="•"/>
-            </a:pPr>
-            <a:r>
-              <a:rPr lang="en-US" sz="800" b="0" i="0" dirty="0" smtClean="0">
-                <a:solidFill>
-                  <a:srgbClr val="000000"/>
-                </a:solidFill>
-                <a:effectLst/>
-                <a:latin typeface="Helvetica Neue"/>
-              </a:rPr>
-              <a:t>Q37 - "Would you be willing to bring up a physical health issue with a potential employer in an interview?"</a:t>
-            </a:r>
-          </a:p>
-          <a:p>
-            <a:pPr marL="742950" lvl="1" indent="-285750">
-              <a:buFont typeface="Arial" panose="020B0604020202020204" pitchFamily="34" charset="0"/>
-              <a:buChar char="•"/>
-            </a:pPr>
-            <a:r>
-              <a:rPr lang="en-US" sz="800" b="0" i="0" dirty="0" smtClean="0">
-                <a:solidFill>
-                  <a:srgbClr val="000000"/>
-                </a:solidFill>
-                <a:effectLst/>
-                <a:latin typeface="Helvetica Neue"/>
-              </a:rPr>
-              <a:t>Q38 - "Why or why not?"</a:t>
-            </a:r>
-          </a:p>
-          <a:p>
-            <a:pPr>
-              <a:buFont typeface="Arial" panose="020B0604020202020204" pitchFamily="34" charset="0"/>
-              <a:buChar char="•"/>
-            </a:pPr>
-            <a:r>
-              <a:rPr lang="en-US" sz="800" b="0" i="0" dirty="0" smtClean="0">
-                <a:solidFill>
-                  <a:srgbClr val="000000"/>
-                </a:solidFill>
-                <a:effectLst/>
-                <a:latin typeface="Helvetica Neue"/>
-              </a:rPr>
-              <a:t>Q39 - "Would you bring up a mental health issue with a potential employer in an interview?"</a:t>
-            </a:r>
-          </a:p>
-          <a:p>
-            <a:pPr marL="742950" lvl="1" indent="-285750">
-              <a:buFont typeface="Arial" panose="020B0604020202020204" pitchFamily="34" charset="0"/>
-              <a:buChar char="•"/>
-            </a:pPr>
-            <a:r>
-              <a:rPr lang="en-US" sz="800" b="0" i="0" dirty="0" smtClean="0">
-                <a:solidFill>
-                  <a:srgbClr val="000000"/>
-                </a:solidFill>
-                <a:effectLst/>
-                <a:latin typeface="Helvetica Neue"/>
-              </a:rPr>
-              <a:t>Q40 - "Why or why not?"</a:t>
-            </a:r>
-          </a:p>
-          <a:p>
-            <a:pPr>
-              <a:buFont typeface="Arial" panose="020B0604020202020204" pitchFamily="34" charset="0"/>
-              <a:buChar char="•"/>
-            </a:pPr>
-            <a:r>
-              <a:rPr lang="en-US" sz="800" b="0" i="0" dirty="0" smtClean="0">
-                <a:solidFill>
-                  <a:srgbClr val="000000"/>
-                </a:solidFill>
-                <a:effectLst/>
-                <a:latin typeface="Helvetica Neue"/>
-              </a:rPr>
-              <a:t>Q41 - "Do you feel that being identified as a person with a mental health issue would hurt your career?"</a:t>
-            </a:r>
-          </a:p>
-          <a:p>
-            <a:pPr>
-              <a:buFont typeface="Arial" panose="020B0604020202020204" pitchFamily="34" charset="0"/>
-              <a:buChar char="•"/>
-            </a:pPr>
-            <a:r>
-              <a:rPr lang="en-US" sz="800" b="0" i="0" dirty="0" smtClean="0">
-                <a:solidFill>
-                  <a:srgbClr val="000000"/>
-                </a:solidFill>
-                <a:effectLst/>
-                <a:latin typeface="Helvetica Neue"/>
-              </a:rPr>
-              <a:t>Q42 - "Do you think that team members/co-workers would view you more negatively if they knew you suffered from a mental health issue?"</a:t>
-            </a:r>
-          </a:p>
-          <a:p>
-            <a:pPr>
-              <a:buFont typeface="Arial" panose="020B0604020202020204" pitchFamily="34" charset="0"/>
-              <a:buChar char="•"/>
-            </a:pPr>
-            <a:r>
-              <a:rPr lang="en-US" sz="800" b="0" i="0" dirty="0" smtClean="0">
-                <a:solidFill>
-                  <a:srgbClr val="000000"/>
-                </a:solidFill>
-                <a:effectLst/>
-                <a:latin typeface="Helvetica Neue"/>
-              </a:rPr>
-              <a:t>Q43 - "How willing would you be to share with friends and family that you have a mental illness?"</a:t>
-            </a:r>
-          </a:p>
-          <a:p>
-            <a:pPr>
-              <a:buFont typeface="Arial" panose="020B0604020202020204" pitchFamily="34" charset="0"/>
-              <a:buChar char="•"/>
-            </a:pPr>
-            <a:r>
-              <a:rPr lang="en-US" sz="800" b="0" i="0" dirty="0" smtClean="0">
-                <a:solidFill>
-                  <a:srgbClr val="000000"/>
-                </a:solidFill>
-                <a:effectLst/>
-                <a:latin typeface="Helvetica Neue"/>
-              </a:rPr>
-              <a:t>Q44 - "Have you observed or experienced an unsupportive or badly handled response to a mental health issue in your current or previous workplace?"</a:t>
-            </a:r>
-          </a:p>
-          <a:p>
-            <a:pPr>
-              <a:buFont typeface="Arial" panose="020B0604020202020204" pitchFamily="34" charset="0"/>
-              <a:buChar char="•"/>
-            </a:pPr>
-            <a:r>
-              <a:rPr lang="en-US" sz="800" b="0" i="0" dirty="0" smtClean="0">
-                <a:solidFill>
-                  <a:srgbClr val="000000"/>
-                </a:solidFill>
-                <a:effectLst/>
-                <a:latin typeface="Helvetica Neue"/>
-              </a:rPr>
-              <a:t>Q45 - "Have your observations of how another individual who discussed a mental health disorder made you less likely to reveal a mental health issue yourself in your current workplace?"</a:t>
-            </a:r>
-          </a:p>
-          <a:p>
-            <a:pPr>
-              <a:buFont typeface="Arial" panose="020B0604020202020204" pitchFamily="34" charset="0"/>
-              <a:buChar char="•"/>
-            </a:pPr>
-            <a:r>
-              <a:rPr lang="en-US" sz="800" b="0" i="0" dirty="0" smtClean="0">
-                <a:solidFill>
-                  <a:srgbClr val="000000"/>
-                </a:solidFill>
-                <a:effectLst/>
-                <a:latin typeface="Helvetica Neue"/>
-              </a:rPr>
-              <a:t>Q46 - "Do you have a family history of mental illness?"</a:t>
-            </a:r>
-          </a:p>
-          <a:p>
-            <a:pPr>
-              <a:buFont typeface="Arial" panose="020B0604020202020204" pitchFamily="34" charset="0"/>
-              <a:buChar char="•"/>
-            </a:pPr>
-            <a:r>
-              <a:rPr lang="en-US" sz="800" b="0" i="0" dirty="0" smtClean="0">
-                <a:solidFill>
-                  <a:srgbClr val="000000"/>
-                </a:solidFill>
-                <a:effectLst/>
-                <a:latin typeface="Helvetica Neue"/>
-              </a:rPr>
-              <a:t>Q47 - "Have you had a mental health disorder in the past?"</a:t>
-            </a:r>
-          </a:p>
-          <a:p>
-            <a:pPr>
-              <a:buFont typeface="Arial" panose="020B0604020202020204" pitchFamily="34" charset="0"/>
-              <a:buChar char="•"/>
-            </a:pPr>
-            <a:r>
-              <a:rPr lang="en-US" sz="800" b="1" i="0" dirty="0" smtClean="0">
-                <a:solidFill>
-                  <a:srgbClr val="000000"/>
-                </a:solidFill>
-                <a:effectLst/>
-                <a:latin typeface="Helvetica Neue"/>
-              </a:rPr>
-              <a:t>Q48 - "Do you currently have a mental health disorder?"</a:t>
-            </a:r>
             <a:endParaRPr lang="en-US" sz="800" b="0" i="0" dirty="0" smtClean="0">
               <a:solidFill>
                 <a:srgbClr val="000000"/>
@@ -3873,21 +3532,11 @@
             </a:endParaRPr>
           </a:p>
           <a:p>
-            <a:pPr marL="742950" lvl="1" indent="-285750">
-              <a:buFont typeface="Arial" panose="020B0604020202020204" pitchFamily="34" charset="0"/>
-              <a:buChar char="•"/>
-            </a:pPr>
-            <a:r>
-              <a:rPr lang="en-US" sz="800" b="1" i="0" dirty="0" smtClean="0">
-                <a:solidFill>
-                  <a:srgbClr val="000000"/>
-                </a:solidFill>
-                <a:effectLst/>
-                <a:latin typeface="Helvetica Neue"/>
-              </a:rPr>
-              <a:t>Q49 - "If yes, what condition(s) have you been diagnosed with?"</a:t>
-            </a:r>
-            <a:endParaRPr lang="en-US" sz="800" b="0" i="0" dirty="0" smtClean="0">
+            <a:pPr>
+              <a:buFont typeface="Arial" panose="020B0604020202020204" pitchFamily="34" charset="0"/>
+              <a:buChar char="•"/>
+            </a:pPr>
+            <a:endParaRPr lang="en-US" sz="800" b="0" i="0" dirty="0">
               <a:solidFill>
                 <a:srgbClr val="000000"/>
               </a:solidFill>
@@ -3895,22 +3544,358 @@
               <a:latin typeface="Helvetica Neue"/>
             </a:endParaRPr>
           </a:p>
+        </p:txBody>
+      </p:sp>
+      <p:sp>
+        <p:nvSpPr>
+          <p:cNvPr id="5" name="Rectangle 4"/>
+          <p:cNvSpPr/>
+          <p:nvPr/>
+        </p:nvSpPr>
+        <p:spPr>
+          <a:xfrm>
+            <a:off x="4470400" y="105792"/>
+            <a:ext cx="7556500" cy="6394058"/>
+          </a:xfrm>
+          <a:prstGeom prst="rect">
+            <a:avLst/>
+          </a:prstGeom>
+        </p:spPr>
+        <p:txBody>
+          <a:bodyPr wrap="square">
+            <a:spAutoFit/>
+          </a:bodyPr>
+          <a:lstStyle/>
+          <a:p>
+            <a:pPr>
+              <a:buFont typeface="Arial" panose="020B0604020202020204" pitchFamily="34" charset="0"/>
+              <a:buChar char="•"/>
+            </a:pPr>
+            <a:r>
+              <a:rPr lang="en-US" sz="1050" b="0" i="0" dirty="0" smtClean="0">
+                <a:solidFill>
+                  <a:srgbClr val="000000"/>
+                </a:solidFill>
+                <a:effectLst/>
+                <a:latin typeface="Helvetica Neue"/>
+              </a:rPr>
+              <a:t>Q29 </a:t>
+            </a:r>
+            <a:r>
+              <a:rPr lang="en-US" sz="1050" b="0" i="0" dirty="0" smtClean="0">
+                <a:solidFill>
+                  <a:srgbClr val="000000"/>
+                </a:solidFill>
+                <a:effectLst/>
+                <a:latin typeface="Helvetica Neue"/>
+              </a:rPr>
+              <a:t>- "Did your previous employers provide resources to learn more about mental health issues and how to seek help?"</a:t>
+            </a:r>
+          </a:p>
+          <a:p>
+            <a:pPr>
+              <a:buFont typeface="Arial" panose="020B0604020202020204" pitchFamily="34" charset="0"/>
+              <a:buChar char="•"/>
+            </a:pPr>
+            <a:r>
+              <a:rPr lang="en-US" sz="1050" b="0" i="0" dirty="0" smtClean="0">
+                <a:solidFill>
+                  <a:srgbClr val="000000"/>
+                </a:solidFill>
+                <a:effectLst/>
+                <a:latin typeface="Helvetica Neue"/>
+              </a:rPr>
+              <a:t>Q30 - "Was your anonymity protected if you chose to take advantage of mental health or substance abuse treatment resources with previous employers?"</a:t>
+            </a:r>
+          </a:p>
+          <a:p>
+            <a:pPr>
+              <a:buFont typeface="Arial" panose="020B0604020202020204" pitchFamily="34" charset="0"/>
+              <a:buChar char="•"/>
+            </a:pPr>
+            <a:r>
+              <a:rPr lang="en-US" sz="1050" b="0" i="0" dirty="0" smtClean="0">
+                <a:solidFill>
+                  <a:srgbClr val="000000"/>
+                </a:solidFill>
+                <a:effectLst/>
+                <a:latin typeface="Helvetica Neue"/>
+              </a:rPr>
+              <a:t>Q31 - "Do you think that discussing a mental health disorder with previous employers would have negative consequences?"</a:t>
+            </a:r>
+          </a:p>
+          <a:p>
+            <a:pPr>
+              <a:buFont typeface="Arial" panose="020B0604020202020204" pitchFamily="34" charset="0"/>
+              <a:buChar char="•"/>
+            </a:pPr>
+            <a:r>
+              <a:rPr lang="en-US" sz="1050" b="0" i="0" dirty="0" smtClean="0">
+                <a:solidFill>
+                  <a:srgbClr val="000000"/>
+                </a:solidFill>
+                <a:effectLst/>
+                <a:latin typeface="Helvetica Neue"/>
+              </a:rPr>
+              <a:t>Q32 - "Do you think that discussing a physical health issue with previous employers would have negative consequences?"</a:t>
+            </a:r>
+          </a:p>
+          <a:p>
+            <a:pPr>
+              <a:buFont typeface="Arial" panose="020B0604020202020204" pitchFamily="34" charset="0"/>
+              <a:buChar char="•"/>
+            </a:pPr>
+            <a:r>
+              <a:rPr lang="en-US" sz="1050" b="0" i="0" dirty="0" smtClean="0">
+                <a:solidFill>
+                  <a:srgbClr val="000000"/>
+                </a:solidFill>
+                <a:effectLst/>
+                <a:latin typeface="Helvetica Neue"/>
+              </a:rPr>
+              <a:t>Q33 - "Would you have been willing to discuss a mental health issue with your previous co-workers?"</a:t>
+            </a:r>
+          </a:p>
+          <a:p>
+            <a:pPr>
+              <a:buFont typeface="Arial" panose="020B0604020202020204" pitchFamily="34" charset="0"/>
+              <a:buChar char="•"/>
+            </a:pPr>
+            <a:r>
+              <a:rPr lang="en-US" sz="1050" b="0" i="0" dirty="0" smtClean="0">
+                <a:solidFill>
+                  <a:srgbClr val="000000"/>
+                </a:solidFill>
+                <a:effectLst/>
+                <a:latin typeface="Helvetica Neue"/>
+              </a:rPr>
+              <a:t>Q34 - "Would you have been willing to discuss a mental health issue with your direct supervisor(s)?"</a:t>
+            </a:r>
+          </a:p>
+          <a:p>
+            <a:pPr>
+              <a:buFont typeface="Arial" panose="020B0604020202020204" pitchFamily="34" charset="0"/>
+              <a:buChar char="•"/>
+            </a:pPr>
+            <a:r>
+              <a:rPr lang="en-US" sz="1050" b="0" i="0" dirty="0" smtClean="0">
+                <a:solidFill>
+                  <a:srgbClr val="000000"/>
+                </a:solidFill>
+                <a:effectLst/>
+                <a:latin typeface="Helvetica Neue"/>
+              </a:rPr>
+              <a:t>Q35 - "Did you feel that your previous employers took mental health as seriously as physical health?"</a:t>
+            </a:r>
+          </a:p>
+          <a:p>
+            <a:pPr>
+              <a:buFont typeface="Arial" panose="020B0604020202020204" pitchFamily="34" charset="0"/>
+              <a:buChar char="•"/>
+            </a:pPr>
+            <a:r>
+              <a:rPr lang="en-US" sz="1050" b="0" i="0" dirty="0" smtClean="0">
+                <a:solidFill>
+                  <a:srgbClr val="000000"/>
+                </a:solidFill>
+                <a:effectLst/>
+                <a:latin typeface="Helvetica Neue"/>
+              </a:rPr>
+              <a:t>Q36 - "Did you hear of or observe negative consequences for co-workers with mental health issues in your previous workplaces?"</a:t>
+            </a:r>
+          </a:p>
+          <a:p>
+            <a:pPr>
+              <a:buFont typeface="Arial" panose="020B0604020202020204" pitchFamily="34" charset="0"/>
+              <a:buChar char="•"/>
+            </a:pPr>
+            <a:r>
+              <a:rPr lang="en-US" sz="1050" b="0" i="0" dirty="0" smtClean="0">
+                <a:solidFill>
+                  <a:srgbClr val="000000"/>
+                </a:solidFill>
+                <a:effectLst/>
+                <a:latin typeface="Helvetica Neue"/>
+              </a:rPr>
+              <a:t>Q37 - "Would you be willing to bring up a physical health issue with a potential employer in an interview?"</a:t>
+            </a:r>
+          </a:p>
           <a:p>
             <a:pPr marL="742950" lvl="1" indent="-285750">
               <a:buFont typeface="Arial" panose="020B0604020202020204" pitchFamily="34" charset="0"/>
               <a:buChar char="•"/>
             </a:pPr>
             <a:r>
-              <a:rPr lang="en-US" sz="800" b="1" i="0" dirty="0" smtClean="0">
-                <a:solidFill>
-                  <a:srgbClr val="000000"/>
-                </a:solidFill>
-                <a:effectLst/>
-                <a:latin typeface="Helvetica Neue"/>
-              </a:rPr>
-              <a:t>Q50 - "If maybe, what condition(s) do you believe you have?"</a:t>
-            </a:r>
-            <a:endParaRPr lang="en-US" sz="800" b="0" i="0" dirty="0" smtClean="0">
+              <a:rPr lang="en-US" sz="1050" b="0" i="0" dirty="0" smtClean="0">
+                <a:solidFill>
+                  <a:srgbClr val="000000"/>
+                </a:solidFill>
+                <a:effectLst/>
+                <a:latin typeface="Helvetica Neue"/>
+              </a:rPr>
+              <a:t>Q38 - "Why or why not?"</a:t>
+            </a:r>
+          </a:p>
+          <a:p>
+            <a:pPr>
+              <a:buFont typeface="Arial" panose="020B0604020202020204" pitchFamily="34" charset="0"/>
+              <a:buChar char="•"/>
+            </a:pPr>
+            <a:r>
+              <a:rPr lang="en-US" sz="1050" b="0" i="0" dirty="0" smtClean="0">
+                <a:solidFill>
+                  <a:srgbClr val="000000"/>
+                </a:solidFill>
+                <a:effectLst/>
+                <a:latin typeface="Helvetica Neue"/>
+              </a:rPr>
+              <a:t>Q39 - "Would you bring up a mental health issue with a potential employer in an interview?"</a:t>
+            </a:r>
+          </a:p>
+          <a:p>
+            <a:pPr marL="742950" lvl="1" indent="-285750">
+              <a:buFont typeface="Arial" panose="020B0604020202020204" pitchFamily="34" charset="0"/>
+              <a:buChar char="•"/>
+            </a:pPr>
+            <a:r>
+              <a:rPr lang="en-US" sz="1050" b="0" i="0" dirty="0" smtClean="0">
+                <a:solidFill>
+                  <a:srgbClr val="000000"/>
+                </a:solidFill>
+                <a:effectLst/>
+                <a:latin typeface="Helvetica Neue"/>
+              </a:rPr>
+              <a:t>Q40 - "Why or why not?"</a:t>
+            </a:r>
+          </a:p>
+          <a:p>
+            <a:pPr>
+              <a:buFont typeface="Arial" panose="020B0604020202020204" pitchFamily="34" charset="0"/>
+              <a:buChar char="•"/>
+            </a:pPr>
+            <a:r>
+              <a:rPr lang="en-US" sz="1050" b="0" i="0" dirty="0" smtClean="0">
+                <a:solidFill>
+                  <a:srgbClr val="000000"/>
+                </a:solidFill>
+                <a:effectLst/>
+                <a:latin typeface="Helvetica Neue"/>
+              </a:rPr>
+              <a:t>Q41 - "Do you feel that being identified as a person with a mental health issue would hurt your career?"</a:t>
+            </a:r>
+          </a:p>
+          <a:p>
+            <a:pPr>
+              <a:buFont typeface="Arial" panose="020B0604020202020204" pitchFamily="34" charset="0"/>
+              <a:buChar char="•"/>
+            </a:pPr>
+            <a:r>
+              <a:rPr lang="en-US" sz="1050" b="0" i="0" dirty="0" smtClean="0">
+                <a:solidFill>
+                  <a:srgbClr val="000000"/>
+                </a:solidFill>
+                <a:effectLst/>
+                <a:latin typeface="Helvetica Neue"/>
+              </a:rPr>
+              <a:t>Q42 - "Do you think that team members/co-workers would view you more negatively if they knew you suffered from a mental health issue?"</a:t>
+            </a:r>
+          </a:p>
+          <a:p>
+            <a:pPr>
+              <a:buFont typeface="Arial" panose="020B0604020202020204" pitchFamily="34" charset="0"/>
+              <a:buChar char="•"/>
+            </a:pPr>
+            <a:r>
+              <a:rPr lang="en-US" sz="1050" b="0" i="0" dirty="0" smtClean="0">
+                <a:solidFill>
+                  <a:srgbClr val="000000"/>
+                </a:solidFill>
+                <a:effectLst/>
+                <a:latin typeface="Helvetica Neue"/>
+              </a:rPr>
+              <a:t>Q43 - "How willing would you be to share with friends and family that you have a mental illness?"</a:t>
+            </a:r>
+          </a:p>
+          <a:p>
+            <a:pPr>
+              <a:buFont typeface="Arial" panose="020B0604020202020204" pitchFamily="34" charset="0"/>
+              <a:buChar char="•"/>
+            </a:pPr>
+            <a:r>
+              <a:rPr lang="en-US" sz="1050" b="0" i="0" dirty="0" smtClean="0">
+                <a:solidFill>
+                  <a:srgbClr val="000000"/>
+                </a:solidFill>
+                <a:effectLst/>
+                <a:latin typeface="Helvetica Neue"/>
+              </a:rPr>
+              <a:t>Q44 - "Have you observed or experienced an unsupportive or badly handled response to a mental health issue in your current or previous workplace?"</a:t>
+            </a:r>
+          </a:p>
+          <a:p>
+            <a:pPr>
+              <a:buFont typeface="Arial" panose="020B0604020202020204" pitchFamily="34" charset="0"/>
+              <a:buChar char="•"/>
+            </a:pPr>
+            <a:r>
+              <a:rPr lang="en-US" sz="1050" b="0" i="0" dirty="0" smtClean="0">
+                <a:solidFill>
+                  <a:srgbClr val="000000"/>
+                </a:solidFill>
+                <a:effectLst/>
+                <a:latin typeface="Helvetica Neue"/>
+              </a:rPr>
+              <a:t>Q45 - "Have your observations of how another individual who discussed a mental health disorder made you less likely to reveal a mental health issue yourself in your current workplace?"</a:t>
+            </a:r>
+          </a:p>
+          <a:p>
+            <a:pPr>
+              <a:buFont typeface="Arial" panose="020B0604020202020204" pitchFamily="34" charset="0"/>
+              <a:buChar char="•"/>
+            </a:pPr>
+            <a:r>
+              <a:rPr lang="en-US" sz="1050" b="0" i="0" dirty="0" smtClean="0">
+                <a:solidFill>
+                  <a:srgbClr val="000000"/>
+                </a:solidFill>
+                <a:effectLst/>
+                <a:latin typeface="Helvetica Neue"/>
+              </a:rPr>
+              <a:t>Q46 - "Do you have a family history of mental illness?"</a:t>
+            </a:r>
+          </a:p>
+          <a:p>
+            <a:pPr>
+              <a:buFont typeface="Arial" panose="020B0604020202020204" pitchFamily="34" charset="0"/>
+              <a:buChar char="•"/>
+            </a:pPr>
+            <a:r>
+              <a:rPr lang="en-US" sz="1050" b="0" i="0" dirty="0" smtClean="0">
+                <a:solidFill>
+                  <a:srgbClr val="000000"/>
+                </a:solidFill>
+                <a:effectLst/>
+                <a:latin typeface="Helvetica Neue"/>
+              </a:rPr>
+              <a:t>Q47 - "Have you had a mental health disorder in the past?"</a:t>
+            </a:r>
+          </a:p>
+          <a:p>
+            <a:pPr>
+              <a:buFont typeface="Arial" panose="020B0604020202020204" pitchFamily="34" charset="0"/>
+              <a:buChar char="•"/>
+            </a:pPr>
+            <a:r>
+              <a:rPr lang="en-US" sz="1050" b="1" i="0" dirty="0" smtClean="0">
+                <a:solidFill>
+                  <a:srgbClr val="000000"/>
+                </a:solidFill>
+                <a:effectLst/>
+                <a:latin typeface="Helvetica Neue"/>
+              </a:rPr>
+              <a:t>Q48 - "Do you currently have a mental health disorder?"</a:t>
+            </a:r>
+            <a:endParaRPr lang="en-US" sz="1050" b="0" i="0" dirty="0" smtClean="0">
               <a:solidFill>
                 <a:srgbClr val="000000"/>
               </a:solidFill>
@@ -3919,12 +3904,58 @@
             </a:endParaRPr>
           </a:p>
           <a:p>
-            <a:pPr>
-              <a:buFont typeface="Arial" panose="020B0604020202020204" pitchFamily="34" charset="0"/>
-              <a:buChar char="•"/>
-            </a:pPr>
-            <a:r>
-              <a:rPr lang="en-US" sz="800" b="0" i="0" dirty="0" smtClean="0">
+            <a:pPr marL="742950" lvl="1" indent="-285750">
+              <a:buFont typeface="Arial" panose="020B0604020202020204" pitchFamily="34" charset="0"/>
+              <a:buChar char="•"/>
+            </a:pPr>
+            <a:r>
+              <a:rPr lang="en-US" sz="1050" b="1" i="0" dirty="0" smtClean="0">
+                <a:solidFill>
+                  <a:srgbClr val="000000"/>
+                </a:solidFill>
+                <a:effectLst/>
+                <a:latin typeface="Helvetica Neue"/>
+              </a:rPr>
+              <a:t>Q49 - "If yes, what condition(s) have you been diagnosed with?"</a:t>
+            </a:r>
+            <a:endParaRPr lang="en-US" sz="1050" b="0" i="0" dirty="0" smtClean="0">
+              <a:solidFill>
+                <a:srgbClr val="000000"/>
+              </a:solidFill>
+              <a:effectLst/>
+              <a:latin typeface="Helvetica Neue"/>
+            </a:endParaRPr>
+          </a:p>
+          <a:p>
+            <a:pPr marL="742950" lvl="1" indent="-285750">
+              <a:buFont typeface="Arial" panose="020B0604020202020204" pitchFamily="34" charset="0"/>
+              <a:buChar char="•"/>
+            </a:pPr>
+            <a:r>
+              <a:rPr lang="en-US" sz="1050" b="1" i="0" dirty="0" smtClean="0">
+                <a:solidFill>
+                  <a:srgbClr val="000000"/>
+                </a:solidFill>
+                <a:effectLst/>
+                <a:latin typeface="Helvetica Neue"/>
+              </a:rPr>
+              <a:t>Q50 - "If maybe, what condition(s) do you believe you have?"</a:t>
+            </a:r>
+            <a:endParaRPr lang="en-US" sz="1050" b="0" i="0" dirty="0" smtClean="0">
+              <a:solidFill>
+                <a:srgbClr val="000000"/>
+              </a:solidFill>
+              <a:effectLst/>
+              <a:latin typeface="Helvetica Neue"/>
+            </a:endParaRPr>
+          </a:p>
+          <a:p>
+            <a:pPr>
+              <a:buFont typeface="Arial" panose="020B0604020202020204" pitchFamily="34" charset="0"/>
+              <a:buChar char="•"/>
+            </a:pPr>
+            <a:r>
+              <a:rPr lang="en-US" sz="1050" b="0" i="0" dirty="0" smtClean="0">
                 <a:solidFill>
                   <a:srgbClr val="000000"/>
                 </a:solidFill>
@@ -3940,7 +3971,7 @@
               <a:buChar char="•"/>
             </a:pPr>
             <a:r>
-              <a:rPr lang="en-US" sz="800" b="0" i="0" dirty="0" smtClean="0">
+              <a:rPr lang="en-US" sz="1050" b="0" i="0" dirty="0" smtClean="0">
                 <a:solidFill>
                   <a:srgbClr val="000000"/>
                 </a:solidFill>
@@ -3956,7 +3987,7 @@
               <a:buChar char="•"/>
             </a:pPr>
             <a:r>
-              <a:rPr lang="en-US" sz="800" b="0" i="0" dirty="0" smtClean="0">
+              <a:rPr lang="en-US" sz="1050" b="0" i="0" dirty="0" smtClean="0">
                 <a:solidFill>
                   <a:srgbClr val="000000"/>
                 </a:solidFill>
@@ -3972,7 +4003,7 @@
               <a:buChar char="•"/>
             </a:pPr>
             <a:r>
-              <a:rPr lang="en-US" sz="800" b="0" i="0" dirty="0" smtClean="0">
+              <a:rPr lang="en-US" sz="1050" b="0" i="0" dirty="0" smtClean="0">
                 <a:solidFill>
                   <a:srgbClr val="000000"/>
                 </a:solidFill>
@@ -3988,7 +4019,7 @@
               <a:buChar char="•"/>
             </a:pPr>
             <a:r>
-              <a:rPr lang="en-US" sz="800" b="0" i="0" dirty="0" smtClean="0">
+              <a:rPr lang="en-US" sz="1050" b="0" i="0" dirty="0" smtClean="0">
                 <a:solidFill>
                   <a:srgbClr val="000000"/>
                 </a:solidFill>
@@ -4004,7 +4035,7 @@
               <a:buChar char="•"/>
             </a:pPr>
             <a:r>
-              <a:rPr lang="en-US" sz="800" b="0" i="0" dirty="0" smtClean="0">
+              <a:rPr lang="en-US" sz="1050" b="0" i="0" dirty="0" smtClean="0">
                 <a:solidFill>
                   <a:srgbClr val="000000"/>
                 </a:solidFill>
@@ -4014,7 +4045,7 @@
               <a:t>Q56 - "What is your </a:t>
             </a:r>
             <a:r>
-              <a:rPr lang="en-US" sz="800" b="0" i="0" dirty="0" err="1" smtClean="0">
+              <a:rPr lang="en-US" sz="1050" b="0" i="0" dirty="0" err="1" smtClean="0">
                 <a:solidFill>
                   <a:srgbClr val="000000"/>
                 </a:solidFill>
@@ -4024,7 +4055,7 @@
               <a:t>age?","What</a:t>
             </a:r>
             <a:r>
-              <a:rPr lang="en-US" sz="800" b="0" i="0" dirty="0" smtClean="0">
+              <a:rPr lang="en-US" sz="1050" b="0" i="0" dirty="0" smtClean="0">
                 <a:solidFill>
                   <a:srgbClr val="000000"/>
                 </a:solidFill>
@@ -4040,7 +4071,7 @@
               <a:buChar char="•"/>
             </a:pPr>
             <a:r>
-              <a:rPr lang="en-US" sz="800" b="0" i="0" dirty="0" smtClean="0">
+              <a:rPr lang="en-US" sz="1050" b="0" i="0" dirty="0" smtClean="0">
                 <a:solidFill>
                   <a:srgbClr val="000000"/>
                 </a:solidFill>
@@ -4056,7 +4087,7 @@
               <a:buChar char="•"/>
             </a:pPr>
             <a:r>
-              <a:rPr lang="en-US" sz="800" b="0" i="0" dirty="0" smtClean="0">
+              <a:rPr lang="en-US" sz="1050" b="0" i="0" dirty="0" smtClean="0">
                 <a:solidFill>
                   <a:srgbClr val="000000"/>
                 </a:solidFill>
@@ -4072,7 +4103,7 @@
               <a:buChar char="•"/>
             </a:pPr>
             <a:r>
-              <a:rPr lang="en-US" sz="800" b="0" i="0" dirty="0" smtClean="0">
+              <a:rPr lang="en-US" sz="1050" b="0" i="0" dirty="0" smtClean="0">
                 <a:solidFill>
                   <a:srgbClr val="000000"/>
                 </a:solidFill>
@@ -4088,7 +4119,7 @@
               <a:buChar char="•"/>
             </a:pPr>
             <a:r>
-              <a:rPr lang="en-US" sz="800" b="0" i="0" dirty="0" smtClean="0">
+              <a:rPr lang="en-US" sz="1050" b="0" i="0" dirty="0" smtClean="0">
                 <a:solidFill>
                   <a:srgbClr val="000000"/>
                 </a:solidFill>
@@ -4104,7 +4135,7 @@
               <a:buChar char="•"/>
             </a:pPr>
             <a:r>
-              <a:rPr lang="en-US" sz="800" b="0" i="0" dirty="0" smtClean="0">
+              <a:rPr lang="en-US" sz="1050" b="0" i="0" dirty="0" smtClean="0">
                 <a:solidFill>
                   <a:srgbClr val="000000"/>
                 </a:solidFill>
@@ -4120,7 +4151,7 @@
               <a:buChar char="•"/>
             </a:pPr>
             <a:r>
-              <a:rPr lang="en-US" sz="800" b="0" i="0" dirty="0" smtClean="0">
+              <a:rPr lang="en-US" sz="1050" b="0" i="0" dirty="0" smtClean="0">
                 <a:solidFill>
                   <a:srgbClr val="000000"/>
                 </a:solidFill>
@@ -4129,7 +4160,7 @@
               </a:rPr>
               <a:t>Q62 - "Do you work remotely?"</a:t>
             </a:r>
-            <a:endParaRPr lang="pt-PT" sz="1600" dirty="0"/>
+            <a:endParaRPr lang="pt-PT" sz="1050" dirty="0"/>
           </a:p>
         </p:txBody>
       </p:sp>
@@ -4745,6 +4776,126 @@
 </p:sld>
 </file>
 
+<file path=ppt/slides/slide4.xml><?xml version="1.0" encoding="utf-8"?>
+<p:sld xmlns:a="http://schemas.openxmlformats.org/drawingml/2006/main" xmlns:r="http://schemas.openxmlformats.org/officeDocument/2006/relationships" xmlns:p="http://schemas.openxmlformats.org/presentationml/2006/main">
+  <p:cSld>
+    <p:spTree>
+      <p:nvGrpSpPr>
+        <p:cNvPr id="1" name=""/>
+        <p:cNvGrpSpPr/>
+        <p:nvPr/>
+      </p:nvGrpSpPr>
+      <p:grpSpPr>
+        <a:xfrm>
+          <a:off x="0" y="0"/>
+          <a:ext cx="0" cy="0"/>
+          <a:chOff x="0" y="0"/>
+          <a:chExt cx="0" cy="0"/>
+        </a:xfrm>
+      </p:grpSpPr>
+      <p:pic>
+        <p:nvPicPr>
+          <p:cNvPr id="4" name="Picture 3"/>
+          <p:cNvPicPr>
+            <a:picLocks noChangeAspect="1"/>
+          </p:cNvPicPr>
+          <p:nvPr/>
+        </p:nvPicPr>
+        <p:blipFill>
+          <a:blip r:embed="rId2">
+            <a:extLst>
+              <a:ext uri="{28A0092B-C50C-407E-A947-70E740481C1C}">
+                <a14:useLocalDpi xmlns:a14="http://schemas.microsoft.com/office/drawing/2010/main" val="0"/>
+              </a:ext>
+            </a:extLst>
+          </a:blip>
+          <a:stretch>
+            <a:fillRect/>
+          </a:stretch>
+        </p:blipFill>
+        <p:spPr>
+          <a:xfrm>
+            <a:off x="297855" y="221846"/>
+            <a:ext cx="5220889" cy="3544107"/>
+          </a:xfrm>
+          <a:prstGeom prst="rect">
+            <a:avLst/>
+          </a:prstGeom>
+        </p:spPr>
+      </p:pic>
+      <p:pic>
+        <p:nvPicPr>
+          <p:cNvPr id="5" name="Picture 4"/>
+          <p:cNvPicPr>
+            <a:picLocks noChangeAspect="1"/>
+          </p:cNvPicPr>
+          <p:nvPr/>
+        </p:nvPicPr>
+        <p:blipFill>
+          <a:blip r:embed="rId3">
+            <a:extLst>
+              <a:ext uri="{28A0092B-C50C-407E-A947-70E740481C1C}">
+                <a14:useLocalDpi xmlns:a14="http://schemas.microsoft.com/office/drawing/2010/main" val="0"/>
+              </a:ext>
+            </a:extLst>
+          </a:blip>
+          <a:stretch>
+            <a:fillRect/>
+          </a:stretch>
+        </p:blipFill>
+        <p:spPr>
+          <a:xfrm>
+            <a:off x="5921549" y="221845"/>
+            <a:ext cx="5271701" cy="3544107"/>
+          </a:xfrm>
+          <a:prstGeom prst="rect">
+            <a:avLst/>
+          </a:prstGeom>
+        </p:spPr>
+      </p:pic>
+    </p:spTree>
+    <p:extLst>
+      <p:ext uri="{BB962C8B-B14F-4D97-AF65-F5344CB8AC3E}">
+        <p14:creationId xmlns:p14="http://schemas.microsoft.com/office/powerpoint/2010/main" val="3897150808"/>
+      </p:ext>
+    </p:extLst>
+  </p:cSld>
+  <p:clrMapOvr>
+    <a:masterClrMapping/>
+  </p:clrMapOvr>
+</p:sld>
+</file>
+
+<file path=ppt/slides/slide5.xml><?xml version="1.0" encoding="utf-8"?>
+<p:sld xmlns:a="http://schemas.openxmlformats.org/drawingml/2006/main" xmlns:r="http://schemas.openxmlformats.org/officeDocument/2006/relationships" xmlns:p="http://schemas.openxmlformats.org/presentationml/2006/main">
+  <p:cSld>
+    <p:spTree>
+      <p:nvGrpSpPr>
+        <p:cNvPr id="1" name=""/>
+        <p:cNvGrpSpPr/>
+        <p:nvPr/>
+      </p:nvGrpSpPr>
+      <p:grpSpPr>
+        <a:xfrm>
+          <a:off x="0" y="0"/>
+          <a:ext cx="0" cy="0"/>
+          <a:chOff x="0" y="0"/>
+          <a:chExt cx="0" cy="0"/>
+        </a:xfrm>
+      </p:grpSpPr>
+    </p:spTree>
+    <p:extLst>
+      <p:ext uri="{BB962C8B-B14F-4D97-AF65-F5344CB8AC3E}">
+        <p14:creationId xmlns:p14="http://schemas.microsoft.com/office/powerpoint/2010/main" val="1544342139"/>
+      </p:ext>
+    </p:extLst>
+  </p:cSld>
+  <p:clrMapOvr>
+    <a:masterClrMapping/>
+  </p:clrMapOvr>
+</p:sld>
+</file>
+
 <file path=ppt/theme/theme1.xml><?xml version="1.0" encoding="utf-8"?>
 <a:theme xmlns:a="http://schemas.openxmlformats.org/drawingml/2006/main" name="Office Theme">
   <a:themeElements>
